--- a/ppt/Presentation1.pptx
+++ b/ppt/Presentation1.pptx
@@ -112,6 +112,11 @@
       </a:defRPr>
     </a:lvl9pPr>
   </p:defaultTextStyle>
+  <p:extLst>
+    <p:ext uri="{EFAFB233-063F-42B5-8137-9DF3F51BA10A}">
+      <p15:sldGuideLst xmlns:p15="http://schemas.microsoft.com/office/powerpoint/2012/main"/>
+    </p:ext>
+  </p:extLst>
 </p:presentation>
 </file>
 
@@ -197,7 +202,7 @@
           <a:p>
             <a:fld id="{BA2EFF28-9AA6-4848-8C52-5915E013CEEE}" type="datetimeFigureOut">
               <a:rPr lang="en-JP" smtClean="0"/>
-              <a:t>2023/01/27</a:t>
+              <a:t>1/27/23</a:t>
             </a:fld>
             <a:endParaRPr lang="en-JP"/>
           </a:p>
@@ -718,7 +723,7 @@
           <a:p>
             <a:fld id="{1E655150-0F48-0B4F-9AA9-089E3E3D825F}" type="datetimeFigureOut">
               <a:rPr lang="en-JP" smtClean="0"/>
-              <a:t>2023/01/27</a:t>
+              <a:t>1/27/23</a:t>
             </a:fld>
             <a:endParaRPr lang="en-JP"/>
           </a:p>
@@ -1048,7 +1053,7 @@
           <a:p>
             <a:fld id="{1E655150-0F48-0B4F-9AA9-089E3E3D825F}" type="datetimeFigureOut">
               <a:rPr lang="en-JP" smtClean="0"/>
-              <a:t>2023/01/27</a:t>
+              <a:t>1/27/23</a:t>
             </a:fld>
             <a:endParaRPr lang="en-JP"/>
           </a:p>
@@ -1228,7 +1233,7 @@
           <a:p>
             <a:fld id="{1E655150-0F48-0B4F-9AA9-089E3E3D825F}" type="datetimeFigureOut">
               <a:rPr lang="en-JP" smtClean="0"/>
-              <a:t>2023/01/27</a:t>
+              <a:t>1/27/23</a:t>
             </a:fld>
             <a:endParaRPr lang="en-JP"/>
           </a:p>
@@ -1398,7 +1403,7 @@
           <a:p>
             <a:fld id="{1E655150-0F48-0B4F-9AA9-089E3E3D825F}" type="datetimeFigureOut">
               <a:rPr lang="en-JP" smtClean="0"/>
-              <a:t>2023/01/27</a:t>
+              <a:t>1/27/23</a:t>
             </a:fld>
             <a:endParaRPr lang="en-JP"/>
           </a:p>
@@ -1675,7 +1680,7 @@
           <a:p>
             <a:fld id="{1E655150-0F48-0B4F-9AA9-089E3E3D825F}" type="datetimeFigureOut">
               <a:rPr lang="en-JP" smtClean="0"/>
-              <a:t>2023/01/27</a:t>
+              <a:t>1/27/23</a:t>
             </a:fld>
             <a:endParaRPr lang="en-JP"/>
           </a:p>
@@ -2069,7 +2074,7 @@
           <a:p>
             <a:fld id="{1E655150-0F48-0B4F-9AA9-089E3E3D825F}" type="datetimeFigureOut">
               <a:rPr lang="en-JP" smtClean="0"/>
-              <a:t>2023/01/27</a:t>
+              <a:t>1/27/23</a:t>
             </a:fld>
             <a:endParaRPr lang="en-JP"/>
           </a:p>
@@ -2546,7 +2551,7 @@
           <a:p>
             <a:fld id="{1E655150-0F48-0B4F-9AA9-089E3E3D825F}" type="datetimeFigureOut">
               <a:rPr lang="en-JP" smtClean="0"/>
-              <a:t>2023/01/27</a:t>
+              <a:t>1/27/23</a:t>
             </a:fld>
             <a:endParaRPr lang="en-JP"/>
           </a:p>
@@ -2664,7 +2669,7 @@
           <a:p>
             <a:fld id="{1E655150-0F48-0B4F-9AA9-089E3E3D825F}" type="datetimeFigureOut">
               <a:rPr lang="en-JP" smtClean="0"/>
-              <a:t>2023/01/27</a:t>
+              <a:t>1/27/23</a:t>
             </a:fld>
             <a:endParaRPr lang="en-JP"/>
           </a:p>
@@ -2759,7 +2764,7 @@
           <a:p>
             <a:fld id="{1E655150-0F48-0B4F-9AA9-089E3E3D825F}" type="datetimeFigureOut">
               <a:rPr lang="en-JP" smtClean="0"/>
-              <a:t>2023/01/27</a:t>
+              <a:t>1/27/23</a:t>
             </a:fld>
             <a:endParaRPr lang="en-JP"/>
           </a:p>
@@ -3105,7 +3110,7 @@
           <a:p>
             <a:fld id="{1E655150-0F48-0B4F-9AA9-089E3E3D825F}" type="datetimeFigureOut">
               <a:rPr lang="en-JP" smtClean="0"/>
-              <a:t>2023/01/27</a:t>
+              <a:t>1/27/23</a:t>
             </a:fld>
             <a:endParaRPr lang="en-JP"/>
           </a:p>
@@ -3493,7 +3498,7 @@
           <a:p>
             <a:fld id="{1E655150-0F48-0B4F-9AA9-089E3E3D825F}" type="datetimeFigureOut">
               <a:rPr lang="en-JP" smtClean="0"/>
-              <a:t>2023/01/27</a:t>
+              <a:t>1/27/23</a:t>
             </a:fld>
             <a:endParaRPr lang="en-JP"/>
           </a:p>
@@ -3771,7 +3776,7 @@
           <a:p>
             <a:fld id="{1E655150-0F48-0B4F-9AA9-089E3E3D825F}" type="datetimeFigureOut">
               <a:rPr lang="en-JP" smtClean="0"/>
-              <a:t>2023/01/27</a:t>
+              <a:t>1/27/23</a:t>
             </a:fld>
             <a:endParaRPr lang="en-JP"/>
           </a:p>
@@ -4801,6 +4806,40 @@
           <a:bodyPr/>
           <a:lstStyle/>
           <a:p>
+            <a:r>
+              <a:rPr lang="en-US" dirty="0"/>
+              <a:t>Random Forest Classifier</a:t>
+            </a:r>
+          </a:p>
+          <a:p>
+            <a:r>
+              <a:rPr lang="en-US" dirty="0"/>
+              <a:t>Performs both regression and classification tasks</a:t>
+            </a:r>
+          </a:p>
+          <a:p>
+            <a:r>
+              <a:rPr lang="en-US" dirty="0"/>
+              <a:t>Accuracy level of 78% other model like </a:t>
+            </a:r>
+            <a:r>
+              <a:rPr lang="en-US" dirty="0" err="1"/>
+              <a:t>standardscalar</a:t>
+            </a:r>
+            <a:r>
+              <a:rPr lang="en-US" dirty="0"/>
+              <a:t>, </a:t>
+            </a:r>
+            <a:r>
+              <a:rPr lang="en-US" dirty="0" err="1"/>
+              <a:t>logisticregression</a:t>
+            </a:r>
+            <a:r>
+              <a:rPr lang="en-US" dirty="0"/>
+              <a:t> had less than 78% accuracy </a:t>
+            </a:r>
+          </a:p>
+          <a:p>
             <a:endParaRPr lang="en-JP"/>
           </a:p>
         </p:txBody>
@@ -4896,8 +4935,74 @@
           <a:p>
             <a:r>
               <a:rPr lang="en-JP" dirty="0"/>
-              <a:t>So our basic idea is to compare the test result of a person. Test result such as No of pregnancies, Glucose Level, Body Mass Index(BMI), Blood Pressure, Skin Thickness, Insulin, Diabetespedigreefunction and Age . Using these test results we are going to compare if the person has type -2 diabetes or not.</a:t>
-            </a:r>
+              <a:t>So our basic idea is to compare the test result of </a:t>
+            </a:r>
+            <a:r>
+              <a:rPr lang="en-JP"/>
+              <a:t>a </a:t>
+            </a:r>
+            <a:r>
+              <a:rPr lang="en-US" dirty="0"/>
+              <a:t>pregnant women</a:t>
+            </a:r>
+            <a:r>
+              <a:rPr lang="en-JP"/>
+              <a:t>. </a:t>
+            </a:r>
+            <a:endParaRPr lang="en-US" dirty="0"/>
+          </a:p>
+          <a:p>
+            <a:r>
+              <a:rPr lang="en-JP"/>
+              <a:t>Test </a:t>
+            </a:r>
+            <a:r>
+              <a:rPr lang="en-JP" dirty="0"/>
+              <a:t>result such as No of pregnancies, Glucose Level, Body Mass Index(BMI), Blood Pressure, Skin Thickness, Insulin, Diabetespedigreefunction and Age </a:t>
+            </a:r>
+            <a:r>
+              <a:rPr lang="en-JP"/>
+              <a:t>. </a:t>
+            </a:r>
+            <a:endParaRPr lang="en-US" dirty="0"/>
+          </a:p>
+          <a:p>
+            <a:r>
+              <a:rPr lang="en-JP"/>
+              <a:t>Using </a:t>
+            </a:r>
+            <a:r>
+              <a:rPr lang="en-JP" dirty="0"/>
+              <a:t>these test results we are going to compare if </a:t>
+            </a:r>
+            <a:r>
+              <a:rPr lang="en-JP"/>
+              <a:t>the </a:t>
+            </a:r>
+            <a:r>
+              <a:rPr lang="en-US" dirty="0"/>
+              <a:t>pregnant women</a:t>
+            </a:r>
+            <a:r>
+              <a:rPr lang="en-JP"/>
+              <a:t> </a:t>
+            </a:r>
+            <a:r>
+              <a:rPr lang="en-JP" dirty="0"/>
+              <a:t>has type -2 diabetes or </a:t>
+            </a:r>
+            <a:r>
+              <a:rPr lang="en-JP"/>
+              <a:t>not.</a:t>
+            </a:r>
+            <a:endParaRPr lang="en-US" dirty="0"/>
+          </a:p>
+          <a:p>
+            <a:r>
+              <a:rPr lang="en-US" dirty="0"/>
+              <a:t>We can input new data of pregnant women to predict if she has diabetes or not.</a:t>
+            </a:r>
+            <a:endParaRPr lang="en-JP" dirty="0"/>
           </a:p>
         </p:txBody>
       </p:sp>

--- a/ppt/Presentation1.pptx
+++ b/ppt/Presentation1.pptx
@@ -202,7 +202,7 @@
           <a:p>
             <a:fld id="{BA2EFF28-9AA6-4848-8C52-5915E013CEEE}" type="datetimeFigureOut">
               <a:rPr lang="en-JP" smtClean="0"/>
-              <a:t>1/27/23</a:t>
+              <a:t>1/28/23</a:t>
             </a:fld>
             <a:endParaRPr lang="en-JP"/>
           </a:p>
@@ -723,7 +723,7 @@
           <a:p>
             <a:fld id="{1E655150-0F48-0B4F-9AA9-089E3E3D825F}" type="datetimeFigureOut">
               <a:rPr lang="en-JP" smtClean="0"/>
-              <a:t>1/27/23</a:t>
+              <a:t>1/28/23</a:t>
             </a:fld>
             <a:endParaRPr lang="en-JP"/>
           </a:p>
@@ -1053,7 +1053,7 @@
           <a:p>
             <a:fld id="{1E655150-0F48-0B4F-9AA9-089E3E3D825F}" type="datetimeFigureOut">
               <a:rPr lang="en-JP" smtClean="0"/>
-              <a:t>1/27/23</a:t>
+              <a:t>1/28/23</a:t>
             </a:fld>
             <a:endParaRPr lang="en-JP"/>
           </a:p>
@@ -1233,7 +1233,7 @@
           <a:p>
             <a:fld id="{1E655150-0F48-0B4F-9AA9-089E3E3D825F}" type="datetimeFigureOut">
               <a:rPr lang="en-JP" smtClean="0"/>
-              <a:t>1/27/23</a:t>
+              <a:t>1/28/23</a:t>
             </a:fld>
             <a:endParaRPr lang="en-JP"/>
           </a:p>
@@ -1403,7 +1403,7 @@
           <a:p>
             <a:fld id="{1E655150-0F48-0B4F-9AA9-089E3E3D825F}" type="datetimeFigureOut">
               <a:rPr lang="en-JP" smtClean="0"/>
-              <a:t>1/27/23</a:t>
+              <a:t>1/28/23</a:t>
             </a:fld>
             <a:endParaRPr lang="en-JP"/>
           </a:p>
@@ -1680,7 +1680,7 @@
           <a:p>
             <a:fld id="{1E655150-0F48-0B4F-9AA9-089E3E3D825F}" type="datetimeFigureOut">
               <a:rPr lang="en-JP" smtClean="0"/>
-              <a:t>1/27/23</a:t>
+              <a:t>1/28/23</a:t>
             </a:fld>
             <a:endParaRPr lang="en-JP"/>
           </a:p>
@@ -2074,7 +2074,7 @@
           <a:p>
             <a:fld id="{1E655150-0F48-0B4F-9AA9-089E3E3D825F}" type="datetimeFigureOut">
               <a:rPr lang="en-JP" smtClean="0"/>
-              <a:t>1/27/23</a:t>
+              <a:t>1/28/23</a:t>
             </a:fld>
             <a:endParaRPr lang="en-JP"/>
           </a:p>
@@ -2551,7 +2551,7 @@
           <a:p>
             <a:fld id="{1E655150-0F48-0B4F-9AA9-089E3E3D825F}" type="datetimeFigureOut">
               <a:rPr lang="en-JP" smtClean="0"/>
-              <a:t>1/27/23</a:t>
+              <a:t>1/28/23</a:t>
             </a:fld>
             <a:endParaRPr lang="en-JP"/>
           </a:p>
@@ -2669,7 +2669,7 @@
           <a:p>
             <a:fld id="{1E655150-0F48-0B4F-9AA9-089E3E3D825F}" type="datetimeFigureOut">
               <a:rPr lang="en-JP" smtClean="0"/>
-              <a:t>1/27/23</a:t>
+              <a:t>1/28/23</a:t>
             </a:fld>
             <a:endParaRPr lang="en-JP"/>
           </a:p>
@@ -2764,7 +2764,7 @@
           <a:p>
             <a:fld id="{1E655150-0F48-0B4F-9AA9-089E3E3D825F}" type="datetimeFigureOut">
               <a:rPr lang="en-JP" smtClean="0"/>
-              <a:t>1/27/23</a:t>
+              <a:t>1/28/23</a:t>
             </a:fld>
             <a:endParaRPr lang="en-JP"/>
           </a:p>
@@ -3110,7 +3110,7 @@
           <a:p>
             <a:fld id="{1E655150-0F48-0B4F-9AA9-089E3E3D825F}" type="datetimeFigureOut">
               <a:rPr lang="en-JP" smtClean="0"/>
-              <a:t>1/27/23</a:t>
+              <a:t>1/28/23</a:t>
             </a:fld>
             <a:endParaRPr lang="en-JP"/>
           </a:p>
@@ -3498,7 +3498,7 @@
           <a:p>
             <a:fld id="{1E655150-0F48-0B4F-9AA9-089E3E3D825F}" type="datetimeFigureOut">
               <a:rPr lang="en-JP" smtClean="0"/>
-              <a:t>1/27/23</a:t>
+              <a:t>1/28/23</a:t>
             </a:fld>
             <a:endParaRPr lang="en-JP"/>
           </a:p>
@@ -3776,7 +3776,7 @@
           <a:p>
             <a:fld id="{1E655150-0F48-0B4F-9AA9-089E3E3D825F}" type="datetimeFigureOut">
               <a:rPr lang="en-JP" smtClean="0"/>
-              <a:t>1/27/23</a:t>
+              <a:t>1/28/23</a:t>
             </a:fld>
             <a:endParaRPr lang="en-JP"/>
           </a:p>
@@ -5062,6 +5062,10 @@
           <a:bodyPr/>
           <a:lstStyle/>
           <a:p>
+            <a:r>
+              <a:rPr lang="en-US" dirty="0"/>
+              <a:t>Impact of solution	</a:t>
+            </a:r>
             <a:endParaRPr lang="en-JP"/>
           </a:p>
         </p:txBody>
@@ -5087,6 +5091,27 @@
           <a:bodyPr/>
           <a:lstStyle/>
           <a:p>
+            <a:r>
+              <a:rPr lang="en-US" dirty="0"/>
+              <a:t>Early diagnosis and treatment</a:t>
+            </a:r>
+          </a:p>
+          <a:p>
+            <a:r>
+              <a:rPr lang="en-US" dirty="0"/>
+              <a:t>To avoid organ complication</a:t>
+            </a:r>
+          </a:p>
+          <a:p>
+            <a:r>
+              <a:rPr lang="en-US" dirty="0"/>
+              <a:t>Can detect person who is aware of diabetes risk</a:t>
+            </a:r>
+          </a:p>
+          <a:p>
+            <a:pPr marL="0" indent="0">
+              <a:buNone/>
+            </a:pPr>
             <a:endParaRPr lang="en-JP"/>
           </a:p>
         </p:txBody>
